--- a/Matches/ASI - ISA - Oktober 2019/Action Bay, B - Stendo Down! But for Suckers.pptx
+++ b/Matches/ASI - ISA - Oktober 2019/Action Bay, B - Stendo Down! But for Suckers.pptx
@@ -4232,7 +4232,7 @@
           <p:nvPr>
             <p:extLst>
               <p:ext uri="{D42A27DB-BD31-4B8C-83A1-F6EECF244321}">
-                <p14:modId xmlns:p14="http://schemas.microsoft.com/office/powerpoint/2010/main" val="2338158102"/>
+                <p14:modId xmlns:p14="http://schemas.microsoft.com/office/powerpoint/2010/main" val="2258615799"/>
               </p:ext>
             </p:extLst>
           </p:nvPr>
@@ -4978,6 +4978,21 @@
                         </a:rPr>
                         <a:t>minipoppers</a:t>
                       </a:r>
+                      <a:r>
+                        <a:rPr kumimoji="0" lang="en-US" sz="1100" b="1" i="0" u="none" strike="noStrike" cap="none" normalizeH="0" baseline="0">
+                          <a:ln>
+                            <a:noFill/>
+                          </a:ln>
+                          <a:solidFill>
+                            <a:schemeClr val="tx1"/>
+                          </a:solidFill>
+                          <a:effectLst/>
+                          <a:latin typeface="Arial" charset="0"/>
+                          <a:ea typeface="ＭＳ Ｐゴシック" pitchFamily="-112" charset="-128"/>
+                          <a:cs typeface="Times New Roman" pitchFamily="-112" charset="0"/>
+                        </a:rPr>
+                        <a:t>, 3 NT</a:t>
+                      </a:r>
                       <a:endParaRPr kumimoji="0" lang="en-US" sz="1100" b="1" i="0" u="none" strike="noStrike" cap="none" normalizeH="0" baseline="0" dirty="0">
                         <a:ln>
                           <a:noFill/>
@@ -5022,39 +5037,6 @@
                           <a:cs typeface="Times New Roman" pitchFamily="-112" charset="0"/>
                         </a:rPr>
                         <a:t>START-STOP:          Audible - Last shot</a:t>
-                      </a:r>
-                    </a:p>
-                    <a:p>
-                      <a:pPr marL="0" marR="0" lvl="0" indent="0" algn="l" defTabSz="966788" rtl="0" eaLnBrk="0" fontAlgn="base" latinLnBrk="0" hangingPunct="0">
-                        <a:lnSpc>
-                          <a:spcPct val="100000"/>
-                        </a:lnSpc>
-                        <a:spcBef>
-                          <a:spcPct val="0"/>
-                        </a:spcBef>
-                        <a:spcAft>
-                          <a:spcPct val="0"/>
-                        </a:spcAft>
-                        <a:buClrTx/>
-                        <a:buSzTx/>
-                        <a:buFontTx/>
-                        <a:buNone/>
-                        <a:tabLst/>
-                      </a:pPr>
-                      <a:r>
-                        <a:rPr kumimoji="0" lang="en-US" sz="1100" b="1" i="0" u="none" strike="noStrike" cap="none" normalizeH="0" baseline="0" dirty="0">
-                          <a:ln>
-                            <a:noFill/>
-                          </a:ln>
-                          <a:solidFill>
-                            <a:schemeClr val="tx1"/>
-                          </a:solidFill>
-                          <a:effectLst/>
-                          <a:latin typeface="Arial" charset="0"/>
-                          <a:ea typeface="ＭＳ Ｐゴシック" pitchFamily="-112" charset="-128"/>
-                          <a:cs typeface="Times New Roman" pitchFamily="-112" charset="0"/>
-                        </a:rPr>
-                        <a:t>CONCEALMENT:     Required</a:t>
                       </a:r>
                     </a:p>
                     <a:p>

--- a/Matches/ASI - ISA - Oktober 2019/Action Bay, B - Stendo Down! But for Suckers.pptx
+++ b/Matches/ASI - ISA - Oktober 2019/Action Bay, B - Stendo Down! But for Suckers.pptx
@@ -4232,7 +4232,7 @@
           <p:nvPr>
             <p:extLst>
               <p:ext uri="{D42A27DB-BD31-4B8C-83A1-F6EECF244321}">
-                <p14:modId xmlns:p14="http://schemas.microsoft.com/office/powerpoint/2010/main" val="2258615799"/>
+                <p14:modId xmlns:p14="http://schemas.microsoft.com/office/powerpoint/2010/main" val="1709501704"/>
               </p:ext>
             </p:extLst>
           </p:nvPr>
@@ -5190,6 +5190,69 @@
                         <a:t>Upon start signal, engage each carboard target with 2 shots each. Conduct a mandatory reload and reengage each cardboard with two rounds each. The steel can be shot at any time in any order.</a:t>
                       </a:r>
                     </a:p>
+                    <a:p>
+                      <a:pPr marL="0" marR="0" lvl="0" indent="0" algn="l" defTabSz="966788" rtl="0" eaLnBrk="1" fontAlgn="base" latinLnBrk="0" hangingPunct="1">
+                        <a:lnSpc>
+                          <a:spcPct val="100000"/>
+                        </a:lnSpc>
+                        <a:spcBef>
+                          <a:spcPct val="20000"/>
+                        </a:spcBef>
+                        <a:spcAft>
+                          <a:spcPct val="0"/>
+                        </a:spcAft>
+                        <a:buClrTx/>
+                        <a:buSzTx/>
+                        <a:buFontTx/>
+                        <a:buNone/>
+                        <a:tabLst/>
+                      </a:pPr>
+                      <a:endParaRPr kumimoji="0" lang="en-US" sz="1050" b="0" i="0" u="none" strike="noStrike" cap="none" normalizeH="0" baseline="0" dirty="0">
+                        <a:ln>
+                          <a:noFill/>
+                        </a:ln>
+                        <a:solidFill>
+                          <a:schemeClr val="tx1"/>
+                        </a:solidFill>
+                        <a:effectLst/>
+                        <a:latin typeface="Arial" charset="0"/>
+                        <a:ea typeface="ＭＳ Ｐゴシック" pitchFamily="-112" charset="-128"/>
+                        <a:cs typeface="Times New Roman" pitchFamily="-112" charset="0"/>
+                      </a:endParaRPr>
+                    </a:p>
+                    <a:p>
+                      <a:pPr marL="0" marR="0" lvl="0" indent="0" algn="l" defTabSz="966788" rtl="0" eaLnBrk="1" fontAlgn="base" latinLnBrk="0" hangingPunct="1">
+                        <a:lnSpc>
+                          <a:spcPct val="100000"/>
+                        </a:lnSpc>
+                        <a:spcBef>
+                          <a:spcPct val="20000"/>
+                        </a:spcBef>
+                        <a:spcAft>
+                          <a:spcPct val="0"/>
+                        </a:spcAft>
+                        <a:buClrTx/>
+                        <a:buSzTx/>
+                        <a:buFontTx/>
+                        <a:buNone/>
+                        <a:tabLst/>
+                      </a:pPr>
+                      <a:r>
+                        <a:rPr kumimoji="0" lang="en-US" sz="1100" b="1" i="0" u="none" strike="noStrike" cap="none" normalizeH="0" baseline="0">
+                          <a:ln>
+                            <a:noFill/>
+                          </a:ln>
+                          <a:solidFill>
+                            <a:schemeClr val="tx1"/>
+                          </a:solidFill>
+                          <a:effectLst/>
+                          <a:latin typeface="Arial" charset="0"/>
+                          <a:ea typeface="ＭＳ Ｐゴシック" pitchFamily="-112" charset="-128"/>
+                          <a:cs typeface="Times New Roman" pitchFamily="-112" charset="0"/>
+                        </a:rPr>
+                        <a:t>NOTE: Cones define 180 line</a:t>
+                      </a:r>
+                    </a:p>
                   </a:txBody>
                   <a:tcPr marL="45720" marR="45720" marT="45715" marB="45715" horzOverflow="overflow">
                     <a:lnL w="28575" cap="flat" cmpd="sng" algn="ctr">
@@ -5508,10 +5571,303 @@
       </p:grpSp>
       <p:grpSp>
         <p:nvGrpSpPr>
-          <p:cNvPr id="51" name="Group 50">
+          <p:cNvPr id="104" name="Group 170">
             <a:extLst>
               <a:ext uri="{FF2B5EF4-FFF2-40B4-BE49-F238E27FC236}">
-                <a16:creationId xmlns:a16="http://schemas.microsoft.com/office/drawing/2014/main" id="{9CC5E07D-D1AA-4469-9FBF-64217124C63E}"/>
+                <a16:creationId xmlns:a16="http://schemas.microsoft.com/office/drawing/2014/main" id="{1F55455B-337F-40DF-86B5-8A26DA8F50B3}"/>
+              </a:ext>
+            </a:extLst>
+          </p:cNvPr>
+          <p:cNvGrpSpPr>
+            <a:grpSpLocks/>
+          </p:cNvGrpSpPr>
+          <p:nvPr/>
+        </p:nvGrpSpPr>
+        <p:grpSpPr bwMode="auto">
+          <a:xfrm>
+            <a:off x="3292330" y="6225071"/>
+            <a:ext cx="630238" cy="631825"/>
+            <a:chOff x="2032" y="4520"/>
+            <a:chExt cx="540" cy="542"/>
+          </a:xfrm>
+        </p:grpSpPr>
+        <p:sp>
+          <p:nvSpPr>
+            <p:cNvPr id="105" name="Freeform 171">
+              <a:extLst>
+                <a:ext uri="{FF2B5EF4-FFF2-40B4-BE49-F238E27FC236}">
+                  <a16:creationId xmlns:a16="http://schemas.microsoft.com/office/drawing/2014/main" id="{376DBCA1-2F97-4C7F-AC75-168755B309FF}"/>
+                </a:ext>
+              </a:extLst>
+            </p:cNvPr>
+            <p:cNvSpPr>
+              <a:spLocks/>
+            </p:cNvSpPr>
+            <p:nvPr/>
+          </p:nvSpPr>
+          <p:spPr bwMode="auto">
+            <a:xfrm>
+              <a:off x="2490" y="4762"/>
+              <a:ext cx="6" cy="300"/>
+            </a:xfrm>
+            <a:custGeom>
+              <a:avLst/>
+              <a:gdLst>
+                <a:gd name="T0" fmla="*/ 6 w 6"/>
+                <a:gd name="T1" fmla="*/ 0 h 300"/>
+                <a:gd name="T2" fmla="*/ 0 w 6"/>
+                <a:gd name="T3" fmla="*/ 300 h 300"/>
+                <a:gd name="T4" fmla="*/ 6 w 6"/>
+                <a:gd name="T5" fmla="*/ 0 h 300"/>
+                <a:gd name="T6" fmla="*/ 0 60000 65536"/>
+                <a:gd name="T7" fmla="*/ 0 60000 65536"/>
+                <a:gd name="T8" fmla="*/ 0 60000 65536"/>
+                <a:gd name="T9" fmla="*/ 0 w 6"/>
+                <a:gd name="T10" fmla="*/ 0 h 300"/>
+                <a:gd name="T11" fmla="*/ 6 w 6"/>
+                <a:gd name="T12" fmla="*/ 300 h 300"/>
+              </a:gdLst>
+              <a:ahLst/>
+              <a:cxnLst>
+                <a:cxn ang="T6">
+                  <a:pos x="T0" y="T1"/>
+                </a:cxn>
+                <a:cxn ang="T7">
+                  <a:pos x="T2" y="T3"/>
+                </a:cxn>
+                <a:cxn ang="T8">
+                  <a:pos x="T4" y="T5"/>
+                </a:cxn>
+              </a:cxnLst>
+              <a:rect l="T9" t="T10" r="T11" b="T12"/>
+              <a:pathLst>
+                <a:path w="6" h="300">
+                  <a:moveTo>
+                    <a:pt x="6" y="0"/>
+                  </a:moveTo>
+                  <a:lnTo>
+                    <a:pt x="0" y="300"/>
+                  </a:lnTo>
+                  <a:lnTo>
+                    <a:pt x="6" y="0"/>
+                  </a:lnTo>
+                  <a:close/>
+                </a:path>
+              </a:pathLst>
+            </a:custGeom>
+            <a:solidFill>
+              <a:srgbClr val="00A800"/>
+            </a:solidFill>
+            <a:ln w="76200">
+              <a:solidFill>
+                <a:schemeClr val="tx1"/>
+              </a:solidFill>
+              <a:round/>
+              <a:headEnd/>
+              <a:tailEnd/>
+            </a:ln>
+          </p:spPr>
+          <p:txBody>
+            <a:bodyPr/>
+            <a:lstStyle/>
+            <a:p>
+              <a:endParaRPr lang="en-US"/>
+            </a:p>
+          </p:txBody>
+        </p:sp>
+        <p:sp>
+          <p:nvSpPr>
+            <p:cNvPr id="106" name="Freeform 172">
+              <a:extLst>
+                <a:ext uri="{FF2B5EF4-FFF2-40B4-BE49-F238E27FC236}">
+                  <a16:creationId xmlns:a16="http://schemas.microsoft.com/office/drawing/2014/main" id="{B662B63A-DA2B-40CC-BBD6-0785E0175A77}"/>
+                </a:ext>
+              </a:extLst>
+            </p:cNvPr>
+            <p:cNvSpPr>
+              <a:spLocks/>
+            </p:cNvSpPr>
+            <p:nvPr/>
+          </p:nvSpPr>
+          <p:spPr bwMode="auto">
+            <a:xfrm>
+              <a:off x="2084" y="4762"/>
+              <a:ext cx="6" cy="300"/>
+            </a:xfrm>
+            <a:custGeom>
+              <a:avLst/>
+              <a:gdLst>
+                <a:gd name="T0" fmla="*/ 6 w 6"/>
+                <a:gd name="T1" fmla="*/ 0 h 300"/>
+                <a:gd name="T2" fmla="*/ 0 w 6"/>
+                <a:gd name="T3" fmla="*/ 300 h 300"/>
+                <a:gd name="T4" fmla="*/ 6 w 6"/>
+                <a:gd name="T5" fmla="*/ 0 h 300"/>
+                <a:gd name="T6" fmla="*/ 0 60000 65536"/>
+                <a:gd name="T7" fmla="*/ 0 60000 65536"/>
+                <a:gd name="T8" fmla="*/ 0 60000 65536"/>
+                <a:gd name="T9" fmla="*/ 0 w 6"/>
+                <a:gd name="T10" fmla="*/ 0 h 300"/>
+                <a:gd name="T11" fmla="*/ 6 w 6"/>
+                <a:gd name="T12" fmla="*/ 300 h 300"/>
+              </a:gdLst>
+              <a:ahLst/>
+              <a:cxnLst>
+                <a:cxn ang="T6">
+                  <a:pos x="T0" y="T1"/>
+                </a:cxn>
+                <a:cxn ang="T7">
+                  <a:pos x="T2" y="T3"/>
+                </a:cxn>
+                <a:cxn ang="T8">
+                  <a:pos x="T4" y="T5"/>
+                </a:cxn>
+              </a:cxnLst>
+              <a:rect l="T9" t="T10" r="T11" b="T12"/>
+              <a:pathLst>
+                <a:path w="6" h="300">
+                  <a:moveTo>
+                    <a:pt x="6" y="0"/>
+                  </a:moveTo>
+                  <a:lnTo>
+                    <a:pt x="0" y="300"/>
+                  </a:lnTo>
+                  <a:lnTo>
+                    <a:pt x="6" y="0"/>
+                  </a:lnTo>
+                  <a:close/>
+                </a:path>
+              </a:pathLst>
+            </a:custGeom>
+            <a:solidFill>
+              <a:srgbClr val="00A800"/>
+            </a:solidFill>
+            <a:ln w="76200">
+              <a:solidFill>
+                <a:schemeClr val="tx1"/>
+              </a:solidFill>
+              <a:round/>
+              <a:headEnd/>
+              <a:tailEnd/>
+            </a:ln>
+          </p:spPr>
+          <p:txBody>
+            <a:bodyPr/>
+            <a:lstStyle/>
+            <a:p>
+              <a:endParaRPr lang="en-US"/>
+            </a:p>
+          </p:txBody>
+        </p:sp>
+        <p:sp>
+          <p:nvSpPr>
+            <p:cNvPr id="107" name="Freeform 173">
+              <a:extLst>
+                <a:ext uri="{FF2B5EF4-FFF2-40B4-BE49-F238E27FC236}">
+                  <a16:creationId xmlns:a16="http://schemas.microsoft.com/office/drawing/2014/main" id="{52913A87-4605-4121-97BF-51FB2CB94612}"/>
+                </a:ext>
+              </a:extLst>
+            </p:cNvPr>
+            <p:cNvSpPr>
+              <a:spLocks/>
+            </p:cNvSpPr>
+            <p:nvPr/>
+          </p:nvSpPr>
+          <p:spPr bwMode="auto">
+            <a:xfrm>
+              <a:off x="2032" y="4520"/>
+              <a:ext cx="540" cy="252"/>
+            </a:xfrm>
+            <a:custGeom>
+              <a:avLst/>
+              <a:gdLst>
+                <a:gd name="T0" fmla="*/ 0 w 540"/>
+                <a:gd name="T1" fmla="*/ 0 h 252"/>
+                <a:gd name="T2" fmla="*/ 540 w 540"/>
+                <a:gd name="T3" fmla="*/ 0 h 252"/>
+                <a:gd name="T4" fmla="*/ 540 w 540"/>
+                <a:gd name="T5" fmla="*/ 252 h 252"/>
+                <a:gd name="T6" fmla="*/ 0 w 540"/>
+                <a:gd name="T7" fmla="*/ 252 h 252"/>
+                <a:gd name="T8" fmla="*/ 0 w 540"/>
+                <a:gd name="T9" fmla="*/ 0 h 252"/>
+                <a:gd name="T10" fmla="*/ 0 60000 65536"/>
+                <a:gd name="T11" fmla="*/ 0 60000 65536"/>
+                <a:gd name="T12" fmla="*/ 0 60000 65536"/>
+                <a:gd name="T13" fmla="*/ 0 60000 65536"/>
+                <a:gd name="T14" fmla="*/ 0 60000 65536"/>
+                <a:gd name="T15" fmla="*/ 0 w 540"/>
+                <a:gd name="T16" fmla="*/ 0 h 252"/>
+                <a:gd name="T17" fmla="*/ 540 w 540"/>
+                <a:gd name="T18" fmla="*/ 252 h 252"/>
+              </a:gdLst>
+              <a:ahLst/>
+              <a:cxnLst>
+                <a:cxn ang="T10">
+                  <a:pos x="T0" y="T1"/>
+                </a:cxn>
+                <a:cxn ang="T11">
+                  <a:pos x="T2" y="T3"/>
+                </a:cxn>
+                <a:cxn ang="T12">
+                  <a:pos x="T4" y="T5"/>
+                </a:cxn>
+                <a:cxn ang="T13">
+                  <a:pos x="T6" y="T7"/>
+                </a:cxn>
+                <a:cxn ang="T14">
+                  <a:pos x="T8" y="T9"/>
+                </a:cxn>
+              </a:cxnLst>
+              <a:rect l="T15" t="T16" r="T17" b="T18"/>
+              <a:pathLst>
+                <a:path w="540" h="252">
+                  <a:moveTo>
+                    <a:pt x="0" y="0"/>
+                  </a:moveTo>
+                  <a:lnTo>
+                    <a:pt x="540" y="0"/>
+                  </a:lnTo>
+                  <a:lnTo>
+                    <a:pt x="540" y="252"/>
+                  </a:lnTo>
+                  <a:lnTo>
+                    <a:pt x="0" y="252"/>
+                  </a:lnTo>
+                  <a:lnTo>
+                    <a:pt x="0" y="0"/>
+                  </a:lnTo>
+                  <a:close/>
+                </a:path>
+              </a:pathLst>
+            </a:custGeom>
+            <a:solidFill>
+              <a:srgbClr val="00A800"/>
+            </a:solidFill>
+            <a:ln w="22225">
+              <a:solidFill>
+                <a:schemeClr val="tx1"/>
+              </a:solidFill>
+              <a:round/>
+              <a:headEnd/>
+              <a:tailEnd/>
+            </a:ln>
+          </p:spPr>
+          <p:txBody>
+            <a:bodyPr/>
+            <a:lstStyle/>
+            <a:p>
+              <a:endParaRPr lang="en-US"/>
+            </a:p>
+          </p:txBody>
+        </p:sp>
+      </p:grpSp>
+      <p:grpSp>
+        <p:nvGrpSpPr>
+          <p:cNvPr id="108" name="Group 107">
+            <a:extLst>
+              <a:ext uri="{FF2B5EF4-FFF2-40B4-BE49-F238E27FC236}">
+                <a16:creationId xmlns:a16="http://schemas.microsoft.com/office/drawing/2014/main" id="{CE24EEEC-B806-4F53-B56E-1A5B5FA5F3F8}"/>
               </a:ext>
             </a:extLst>
           </p:cNvPr>
@@ -5528,10 +5884,10 @@
         </p:grpSpPr>
         <p:grpSp>
           <p:nvGrpSpPr>
-            <p:cNvPr id="52" name="Group 33">
+            <p:cNvPr id="109" name="Group 33">
               <a:extLst>
                 <a:ext uri="{FF2B5EF4-FFF2-40B4-BE49-F238E27FC236}">
-                  <a16:creationId xmlns:a16="http://schemas.microsoft.com/office/drawing/2014/main" id="{753F57F2-C08D-4E01-8ACC-F69CF0FC025F}"/>
+                  <a16:creationId xmlns:a16="http://schemas.microsoft.com/office/drawing/2014/main" id="{075D3F1F-E6F0-43C3-8991-6CC63DD63B00}"/>
                 </a:ext>
               </a:extLst>
             </p:cNvPr>
@@ -5550,10 +5906,10 @@
           </p:grpSpPr>
           <p:sp>
             <p:nvSpPr>
-              <p:cNvPr id="55" name="Line 34">
+              <p:cNvPr id="112" name="Line 34">
                 <a:extLst>
                   <a:ext uri="{FF2B5EF4-FFF2-40B4-BE49-F238E27FC236}">
-                    <a16:creationId xmlns:a16="http://schemas.microsoft.com/office/drawing/2014/main" id="{C3909890-FE40-4386-8AC0-983414007D91}"/>
+                    <a16:creationId xmlns:a16="http://schemas.microsoft.com/office/drawing/2014/main" id="{1F17FCEE-030A-4635-A4C1-A54255A4D0DD}"/>
                   </a:ext>
                 </a:extLst>
               </p:cNvPr>
@@ -5597,10 +5953,10 @@
           </p:sp>
           <p:sp>
             <p:nvSpPr>
-              <p:cNvPr id="56" name="Line 35">
+              <p:cNvPr id="113" name="Line 35">
                 <a:extLst>
                   <a:ext uri="{FF2B5EF4-FFF2-40B4-BE49-F238E27FC236}">
-                    <a16:creationId xmlns:a16="http://schemas.microsoft.com/office/drawing/2014/main" id="{7DAE07C6-CC9A-4EDB-9A56-9701FB879539}"/>
+                    <a16:creationId xmlns:a16="http://schemas.microsoft.com/office/drawing/2014/main" id="{B918A329-7E8A-4619-98A3-5017B154B941}"/>
                   </a:ext>
                 </a:extLst>
               </p:cNvPr>
@@ -5644,10 +6000,10 @@
           </p:sp>
           <p:sp>
             <p:nvSpPr>
-              <p:cNvPr id="57" name="Freeform 36">
+              <p:cNvPr id="114" name="Freeform 36">
                 <a:extLst>
                   <a:ext uri="{FF2B5EF4-FFF2-40B4-BE49-F238E27FC236}">
-                    <a16:creationId xmlns:a16="http://schemas.microsoft.com/office/drawing/2014/main" id="{3C8884AD-128E-404C-B482-8B6F8856923F}"/>
+                    <a16:creationId xmlns:a16="http://schemas.microsoft.com/office/drawing/2014/main" id="{7B7EC642-EAD2-43EC-9128-CFAA95FB82B2}"/>
                   </a:ext>
                 </a:extLst>
               </p:cNvPr>
@@ -5818,10 +6174,10 @@
         </p:grpSp>
         <p:sp>
           <p:nvSpPr>
-            <p:cNvPr id="53" name="Freeform 32">
+            <p:cNvPr id="110" name="Freeform 32">
               <a:extLst>
                 <a:ext uri="{FF2B5EF4-FFF2-40B4-BE49-F238E27FC236}">
-                  <a16:creationId xmlns:a16="http://schemas.microsoft.com/office/drawing/2014/main" id="{B6FF2B61-A77C-49DC-B72D-BFF261BCC30A}"/>
+                  <a16:creationId xmlns:a16="http://schemas.microsoft.com/office/drawing/2014/main" id="{B242C021-E874-4E36-BF94-8A703644ADA9}"/>
                 </a:ext>
               </a:extLst>
             </p:cNvPr>
@@ -5991,10 +6347,10 @@
         </p:sp>
         <p:sp>
           <p:nvSpPr>
-            <p:cNvPr id="54" name="Freeform 32">
+            <p:cNvPr id="111" name="Freeform 32">
               <a:extLst>
                 <a:ext uri="{FF2B5EF4-FFF2-40B4-BE49-F238E27FC236}">
-                  <a16:creationId xmlns:a16="http://schemas.microsoft.com/office/drawing/2014/main" id="{32BD3C6D-C84C-403A-9F2A-DDC457B49154}"/>
+                  <a16:creationId xmlns:a16="http://schemas.microsoft.com/office/drawing/2014/main" id="{0C2A11DE-759A-44EF-87BA-5745FFDED6F4}"/>
                 </a:ext>
               </a:extLst>
             </p:cNvPr>
@@ -6165,10 +6521,10 @@
       </p:grpSp>
       <p:grpSp>
         <p:nvGrpSpPr>
-          <p:cNvPr id="58" name="Group 29">
+          <p:cNvPr id="115" name="Group 29">
             <a:extLst>
               <a:ext uri="{FF2B5EF4-FFF2-40B4-BE49-F238E27FC236}">
-                <a16:creationId xmlns:a16="http://schemas.microsoft.com/office/drawing/2014/main" id="{1E57C21F-0B3B-4812-9CD8-980FAC80C0EA}"/>
+                <a16:creationId xmlns:a16="http://schemas.microsoft.com/office/drawing/2014/main" id="{76E0DCDD-A57D-4F92-B601-9B8AC902361D}"/>
               </a:ext>
             </a:extLst>
           </p:cNvPr>
@@ -6187,10 +6543,10 @@
         </p:grpSpPr>
         <p:sp>
           <p:nvSpPr>
-            <p:cNvPr id="59" name="Line 30">
+            <p:cNvPr id="116" name="Line 30">
               <a:extLst>
                 <a:ext uri="{FF2B5EF4-FFF2-40B4-BE49-F238E27FC236}">
-                  <a16:creationId xmlns:a16="http://schemas.microsoft.com/office/drawing/2014/main" id="{73935A4A-5D7D-4CA8-8126-468E10BF4F03}"/>
+                  <a16:creationId xmlns:a16="http://schemas.microsoft.com/office/drawing/2014/main" id="{15A0B5CF-B5F6-4D36-9728-B12B48822F80}"/>
                 </a:ext>
               </a:extLst>
             </p:cNvPr>
@@ -6234,10 +6590,10 @@
         </p:sp>
         <p:sp>
           <p:nvSpPr>
-            <p:cNvPr id="60" name="Line 31">
+            <p:cNvPr id="117" name="Line 31">
               <a:extLst>
                 <a:ext uri="{FF2B5EF4-FFF2-40B4-BE49-F238E27FC236}">
-                  <a16:creationId xmlns:a16="http://schemas.microsoft.com/office/drawing/2014/main" id="{F68B6109-012B-4C21-8BCA-6DF98B33C007}"/>
+                  <a16:creationId xmlns:a16="http://schemas.microsoft.com/office/drawing/2014/main" id="{944F495F-43E1-42F4-94DA-3714D8BE1E30}"/>
                 </a:ext>
               </a:extLst>
             </p:cNvPr>
@@ -6281,10 +6637,10 @@
         </p:sp>
         <p:sp>
           <p:nvSpPr>
-            <p:cNvPr id="61" name="Freeform 32">
+            <p:cNvPr id="118" name="Freeform 32">
               <a:extLst>
                 <a:ext uri="{FF2B5EF4-FFF2-40B4-BE49-F238E27FC236}">
-                  <a16:creationId xmlns:a16="http://schemas.microsoft.com/office/drawing/2014/main" id="{80063EAE-AF51-424A-BB21-522E577843AB}"/>
+                  <a16:creationId xmlns:a16="http://schemas.microsoft.com/office/drawing/2014/main" id="{2FAA2B6D-1577-48B1-869F-6CB1E574AA91}"/>
                 </a:ext>
               </a:extLst>
             </p:cNvPr>
@@ -6455,10 +6811,10 @@
       </p:grpSp>
       <p:grpSp>
         <p:nvGrpSpPr>
-          <p:cNvPr id="62" name="Group 51">
+          <p:cNvPr id="119" name="Group 51">
             <a:extLst>
               <a:ext uri="{FF2B5EF4-FFF2-40B4-BE49-F238E27FC236}">
-                <a16:creationId xmlns:a16="http://schemas.microsoft.com/office/drawing/2014/main" id="{89854834-AAB0-45F8-84F9-F2A7F08DD057}"/>
+                <a16:creationId xmlns:a16="http://schemas.microsoft.com/office/drawing/2014/main" id="{77E7382B-7B3F-4DC2-953C-51AD9B1E7AB2}"/>
               </a:ext>
             </a:extLst>
           </p:cNvPr>
@@ -6477,10 +6833,10 @@
         </p:grpSpPr>
         <p:sp>
           <p:nvSpPr>
-            <p:cNvPr id="63" name="Oval 52">
+            <p:cNvPr id="120" name="Oval 52">
               <a:extLst>
                 <a:ext uri="{FF2B5EF4-FFF2-40B4-BE49-F238E27FC236}">
-                  <a16:creationId xmlns:a16="http://schemas.microsoft.com/office/drawing/2014/main" id="{B0EB738A-E092-482A-AA1E-DC29866A3193}"/>
+                  <a16:creationId xmlns:a16="http://schemas.microsoft.com/office/drawing/2014/main" id="{98D8CA75-7164-4508-A656-65B17B0EA14D}"/>
                 </a:ext>
               </a:extLst>
             </p:cNvPr>
@@ -6626,10 +6982,10 @@
         </p:sp>
         <p:sp>
           <p:nvSpPr>
-            <p:cNvPr id="64" name="Oval 53">
+            <p:cNvPr id="121" name="Oval 53">
               <a:extLst>
                 <a:ext uri="{FF2B5EF4-FFF2-40B4-BE49-F238E27FC236}">
-                  <a16:creationId xmlns:a16="http://schemas.microsoft.com/office/drawing/2014/main" id="{7BA384C4-A055-45E9-846E-583D84D4D8D9}"/>
+                  <a16:creationId xmlns:a16="http://schemas.microsoft.com/office/drawing/2014/main" id="{8EAAA900-48B3-4518-BA36-8730235072CB}"/>
                 </a:ext>
               </a:extLst>
             </p:cNvPr>
@@ -6775,10 +7131,10 @@
         </p:sp>
         <p:sp>
           <p:nvSpPr>
-            <p:cNvPr id="65" name="Freeform 54">
+            <p:cNvPr id="122" name="Freeform 54">
               <a:extLst>
                 <a:ext uri="{FF2B5EF4-FFF2-40B4-BE49-F238E27FC236}">
-                  <a16:creationId xmlns:a16="http://schemas.microsoft.com/office/drawing/2014/main" id="{69288D0E-AE95-416A-B13A-A79230F7128B}"/>
+                  <a16:creationId xmlns:a16="http://schemas.microsoft.com/office/drawing/2014/main" id="{B6F517C5-A56E-4152-B370-6A9F576C9BD9}"/>
                 </a:ext>
               </a:extLst>
             </p:cNvPr>
@@ -6876,10 +7232,10 @@
         </p:sp>
         <p:sp>
           <p:nvSpPr>
-            <p:cNvPr id="66" name="Rectangle 55">
+            <p:cNvPr id="123" name="Rectangle 55">
               <a:extLst>
                 <a:ext uri="{FF2B5EF4-FFF2-40B4-BE49-F238E27FC236}">
-                  <a16:creationId xmlns:a16="http://schemas.microsoft.com/office/drawing/2014/main" id="{F9F06497-4486-4DA8-8AC3-3C3C5A8992C3}"/>
+                  <a16:creationId xmlns:a16="http://schemas.microsoft.com/office/drawing/2014/main" id="{559EEA24-FC69-4BA9-ACBE-BD5505DD1E7C}"/>
                 </a:ext>
               </a:extLst>
             </p:cNvPr>
@@ -7025,10 +7381,10 @@
         </p:sp>
         <p:sp>
           <p:nvSpPr>
-            <p:cNvPr id="67" name="Rectangle 56">
+            <p:cNvPr id="124" name="Rectangle 56">
               <a:extLst>
                 <a:ext uri="{FF2B5EF4-FFF2-40B4-BE49-F238E27FC236}">
-                  <a16:creationId xmlns:a16="http://schemas.microsoft.com/office/drawing/2014/main" id="{F83E3AF9-DE58-4B87-86E8-F6B2F2C97904}"/>
+                  <a16:creationId xmlns:a16="http://schemas.microsoft.com/office/drawing/2014/main" id="{393DF85B-4E40-45FD-9EB1-2BF63D834A20}"/>
                 </a:ext>
               </a:extLst>
             </p:cNvPr>
@@ -7181,10 +7537,10 @@
         </p:sp>
         <p:sp>
           <p:nvSpPr>
-            <p:cNvPr id="68" name="Rectangle 57">
+            <p:cNvPr id="125" name="Rectangle 57">
               <a:extLst>
                 <a:ext uri="{FF2B5EF4-FFF2-40B4-BE49-F238E27FC236}">
-                  <a16:creationId xmlns:a16="http://schemas.microsoft.com/office/drawing/2014/main" id="{42C492B5-8EF7-48C4-A1D0-30CEA730C0A3}"/>
+                  <a16:creationId xmlns:a16="http://schemas.microsoft.com/office/drawing/2014/main" id="{A6539383-517A-4B80-A6E7-57EF4A18A53B}"/>
                 </a:ext>
               </a:extLst>
             </p:cNvPr>
@@ -7330,10 +7686,10 @@
         </p:sp>
         <p:sp>
           <p:nvSpPr>
-            <p:cNvPr id="69" name="Rectangle 58">
+            <p:cNvPr id="126" name="Rectangle 58">
               <a:extLst>
                 <a:ext uri="{FF2B5EF4-FFF2-40B4-BE49-F238E27FC236}">
-                  <a16:creationId xmlns:a16="http://schemas.microsoft.com/office/drawing/2014/main" id="{6B5EF2FB-2B80-4BDC-95DE-EDF7C24D8A6F}"/>
+                  <a16:creationId xmlns:a16="http://schemas.microsoft.com/office/drawing/2014/main" id="{A689CB13-83EE-4F9E-A96D-7D74DCC9FA21}"/>
                 </a:ext>
               </a:extLst>
             </p:cNvPr>
@@ -7480,10 +7836,10 @@
       </p:grpSp>
       <p:grpSp>
         <p:nvGrpSpPr>
-          <p:cNvPr id="70" name="Group 29">
+          <p:cNvPr id="127" name="Group 29">
             <a:extLst>
               <a:ext uri="{FF2B5EF4-FFF2-40B4-BE49-F238E27FC236}">
-                <a16:creationId xmlns:a16="http://schemas.microsoft.com/office/drawing/2014/main" id="{8FEE1D16-8508-4A94-9DE6-C9B7C4B55F19}"/>
+                <a16:creationId xmlns:a16="http://schemas.microsoft.com/office/drawing/2014/main" id="{01F92E82-039B-4035-AAC8-04C34FB166D2}"/>
               </a:ext>
             </a:extLst>
           </p:cNvPr>
@@ -7502,10 +7858,10 @@
         </p:grpSpPr>
         <p:sp>
           <p:nvSpPr>
-            <p:cNvPr id="71" name="Line 30">
+            <p:cNvPr id="128" name="Line 30">
               <a:extLst>
                 <a:ext uri="{FF2B5EF4-FFF2-40B4-BE49-F238E27FC236}">
-                  <a16:creationId xmlns:a16="http://schemas.microsoft.com/office/drawing/2014/main" id="{4C9BCE77-D768-4E9C-8ADA-BD9EA26C3CE5}"/>
+                  <a16:creationId xmlns:a16="http://schemas.microsoft.com/office/drawing/2014/main" id="{7D0BBFA2-E6A0-4C98-A9F9-7F8114C4A7F0}"/>
                 </a:ext>
               </a:extLst>
             </p:cNvPr>
@@ -7549,10 +7905,10 @@
         </p:sp>
         <p:sp>
           <p:nvSpPr>
-            <p:cNvPr id="72" name="Line 31">
+            <p:cNvPr id="129" name="Line 31">
               <a:extLst>
                 <a:ext uri="{FF2B5EF4-FFF2-40B4-BE49-F238E27FC236}">
-                  <a16:creationId xmlns:a16="http://schemas.microsoft.com/office/drawing/2014/main" id="{D3544070-966B-4F33-A2D3-E70B1A739108}"/>
+                  <a16:creationId xmlns:a16="http://schemas.microsoft.com/office/drawing/2014/main" id="{96EE69D3-241E-45F1-BAD9-D7CEC5B4504A}"/>
                 </a:ext>
               </a:extLst>
             </p:cNvPr>
@@ -7596,10 +7952,10 @@
         </p:sp>
         <p:sp>
           <p:nvSpPr>
-            <p:cNvPr id="73" name="Freeform 32">
+            <p:cNvPr id="130" name="Freeform 32">
               <a:extLst>
                 <a:ext uri="{FF2B5EF4-FFF2-40B4-BE49-F238E27FC236}">
-                  <a16:creationId xmlns:a16="http://schemas.microsoft.com/office/drawing/2014/main" id="{93F90EF0-ACC0-4FC3-B941-FAECD24203A8}"/>
+                  <a16:creationId xmlns:a16="http://schemas.microsoft.com/office/drawing/2014/main" id="{AA9E3FDB-3EF1-4659-BA25-33734E79A19A}"/>
                 </a:ext>
               </a:extLst>
             </p:cNvPr>
@@ -7770,10 +8126,10 @@
       </p:grpSp>
       <p:grpSp>
         <p:nvGrpSpPr>
-          <p:cNvPr id="74" name="Group 29">
+          <p:cNvPr id="131" name="Group 29">
             <a:extLst>
               <a:ext uri="{FF2B5EF4-FFF2-40B4-BE49-F238E27FC236}">
-                <a16:creationId xmlns:a16="http://schemas.microsoft.com/office/drawing/2014/main" id="{F271B664-8D6F-49C4-9C5B-994FB2A7AF41}"/>
+                <a16:creationId xmlns:a16="http://schemas.microsoft.com/office/drawing/2014/main" id="{479E3AC3-7D08-4193-8EC4-890A95774058}"/>
               </a:ext>
             </a:extLst>
           </p:cNvPr>
@@ -7792,10 +8148,10 @@
         </p:grpSpPr>
         <p:sp>
           <p:nvSpPr>
-            <p:cNvPr id="75" name="Line 30">
+            <p:cNvPr id="132" name="Line 30">
               <a:extLst>
                 <a:ext uri="{FF2B5EF4-FFF2-40B4-BE49-F238E27FC236}">
-                  <a16:creationId xmlns:a16="http://schemas.microsoft.com/office/drawing/2014/main" id="{7C032C51-1019-41A0-BCF4-B4478F40DE31}"/>
+                  <a16:creationId xmlns:a16="http://schemas.microsoft.com/office/drawing/2014/main" id="{6B6BA719-D2AC-4B52-A827-96977039CBCB}"/>
                 </a:ext>
               </a:extLst>
             </p:cNvPr>
@@ -7839,10 +8195,10 @@
         </p:sp>
         <p:sp>
           <p:nvSpPr>
-            <p:cNvPr id="76" name="Line 31">
+            <p:cNvPr id="133" name="Line 31">
               <a:extLst>
                 <a:ext uri="{FF2B5EF4-FFF2-40B4-BE49-F238E27FC236}">
-                  <a16:creationId xmlns:a16="http://schemas.microsoft.com/office/drawing/2014/main" id="{69D71E7C-5313-446B-B803-1E52EE62E1AB}"/>
+                  <a16:creationId xmlns:a16="http://schemas.microsoft.com/office/drawing/2014/main" id="{11C8C243-C129-4095-8DFB-A1F3D10E0A89}"/>
                 </a:ext>
               </a:extLst>
             </p:cNvPr>
@@ -7886,10 +8242,10 @@
         </p:sp>
         <p:sp>
           <p:nvSpPr>
-            <p:cNvPr id="77" name="Freeform 32">
+            <p:cNvPr id="134" name="Freeform 32">
               <a:extLst>
                 <a:ext uri="{FF2B5EF4-FFF2-40B4-BE49-F238E27FC236}">
-                  <a16:creationId xmlns:a16="http://schemas.microsoft.com/office/drawing/2014/main" id="{8781500F-D87A-4B77-BEA1-10F0AFA7F149}"/>
+                  <a16:creationId xmlns:a16="http://schemas.microsoft.com/office/drawing/2014/main" id="{142F85D0-CFB3-4A61-A539-D30D54F3F954}"/>
                 </a:ext>
               </a:extLst>
             </p:cNvPr>
@@ -8060,10 +8416,10 @@
       </p:grpSp>
       <p:grpSp>
         <p:nvGrpSpPr>
-          <p:cNvPr id="78" name="Group 51">
+          <p:cNvPr id="135" name="Group 51">
             <a:extLst>
               <a:ext uri="{FF2B5EF4-FFF2-40B4-BE49-F238E27FC236}">
-                <a16:creationId xmlns:a16="http://schemas.microsoft.com/office/drawing/2014/main" id="{B672EC96-BC20-43D5-972F-4F2136FB494D}"/>
+                <a16:creationId xmlns:a16="http://schemas.microsoft.com/office/drawing/2014/main" id="{1EAA781D-CBA0-4A53-8085-BEFA1857FDF8}"/>
               </a:ext>
             </a:extLst>
           </p:cNvPr>
@@ -8082,10 +8438,10 @@
         </p:grpSpPr>
         <p:sp>
           <p:nvSpPr>
-            <p:cNvPr id="79" name="Oval 52">
+            <p:cNvPr id="136" name="Oval 52">
               <a:extLst>
                 <a:ext uri="{FF2B5EF4-FFF2-40B4-BE49-F238E27FC236}">
-                  <a16:creationId xmlns:a16="http://schemas.microsoft.com/office/drawing/2014/main" id="{26AB0565-6638-4446-BC0D-B56744A8D605}"/>
+                  <a16:creationId xmlns:a16="http://schemas.microsoft.com/office/drawing/2014/main" id="{6A2B6568-36C4-4175-BDDA-636F0917744C}"/>
                 </a:ext>
               </a:extLst>
             </p:cNvPr>
@@ -8231,10 +8587,10 @@
         </p:sp>
         <p:sp>
           <p:nvSpPr>
-            <p:cNvPr id="80" name="Oval 53">
+            <p:cNvPr id="137" name="Oval 53">
               <a:extLst>
                 <a:ext uri="{FF2B5EF4-FFF2-40B4-BE49-F238E27FC236}">
-                  <a16:creationId xmlns:a16="http://schemas.microsoft.com/office/drawing/2014/main" id="{18101127-DC82-4257-9591-F050B8A4E630}"/>
+                  <a16:creationId xmlns:a16="http://schemas.microsoft.com/office/drawing/2014/main" id="{BDC4C4CD-68FB-412E-8BC8-25EDFD91FEFF}"/>
                 </a:ext>
               </a:extLst>
             </p:cNvPr>
@@ -8380,10 +8736,10 @@
         </p:sp>
         <p:sp>
           <p:nvSpPr>
-            <p:cNvPr id="81" name="Freeform 54">
+            <p:cNvPr id="138" name="Freeform 54">
               <a:extLst>
                 <a:ext uri="{FF2B5EF4-FFF2-40B4-BE49-F238E27FC236}">
-                  <a16:creationId xmlns:a16="http://schemas.microsoft.com/office/drawing/2014/main" id="{F9B022F3-00D1-4A47-AD87-FD70A6F152F4}"/>
+                  <a16:creationId xmlns:a16="http://schemas.microsoft.com/office/drawing/2014/main" id="{6FCC7A83-BFC2-44D7-8228-0C76EE429ABA}"/>
                 </a:ext>
               </a:extLst>
             </p:cNvPr>
@@ -8481,10 +8837,10 @@
         </p:sp>
         <p:sp>
           <p:nvSpPr>
-            <p:cNvPr id="82" name="Rectangle 55">
+            <p:cNvPr id="139" name="Rectangle 55">
               <a:extLst>
                 <a:ext uri="{FF2B5EF4-FFF2-40B4-BE49-F238E27FC236}">
-                  <a16:creationId xmlns:a16="http://schemas.microsoft.com/office/drawing/2014/main" id="{305F5543-F157-4C36-BBAB-9D88899B2596}"/>
+                  <a16:creationId xmlns:a16="http://schemas.microsoft.com/office/drawing/2014/main" id="{06A7791B-1F39-4443-978A-76E74CD3CA85}"/>
                 </a:ext>
               </a:extLst>
             </p:cNvPr>
@@ -8630,10 +8986,10 @@
         </p:sp>
         <p:sp>
           <p:nvSpPr>
-            <p:cNvPr id="83" name="Rectangle 56">
+            <p:cNvPr id="140" name="Rectangle 56">
               <a:extLst>
                 <a:ext uri="{FF2B5EF4-FFF2-40B4-BE49-F238E27FC236}">
-                  <a16:creationId xmlns:a16="http://schemas.microsoft.com/office/drawing/2014/main" id="{70884AC2-7B81-4D0A-8389-F7B285C0E904}"/>
+                  <a16:creationId xmlns:a16="http://schemas.microsoft.com/office/drawing/2014/main" id="{CD543291-4D92-4403-B627-29251AEBAC8E}"/>
                 </a:ext>
               </a:extLst>
             </p:cNvPr>
@@ -8786,10 +9142,10 @@
         </p:sp>
         <p:sp>
           <p:nvSpPr>
-            <p:cNvPr id="84" name="Rectangle 57">
+            <p:cNvPr id="141" name="Rectangle 57">
               <a:extLst>
                 <a:ext uri="{FF2B5EF4-FFF2-40B4-BE49-F238E27FC236}">
-                  <a16:creationId xmlns:a16="http://schemas.microsoft.com/office/drawing/2014/main" id="{931BD4AE-E852-4623-9509-1ED9BF7A781B}"/>
+                  <a16:creationId xmlns:a16="http://schemas.microsoft.com/office/drawing/2014/main" id="{63782D44-E64A-46B4-AC73-A2D44CB96643}"/>
                 </a:ext>
               </a:extLst>
             </p:cNvPr>
@@ -8935,10 +9291,10 @@
         </p:sp>
         <p:sp>
           <p:nvSpPr>
-            <p:cNvPr id="85" name="Rectangle 58">
+            <p:cNvPr id="142" name="Rectangle 58">
               <a:extLst>
                 <a:ext uri="{FF2B5EF4-FFF2-40B4-BE49-F238E27FC236}">
-                  <a16:creationId xmlns:a16="http://schemas.microsoft.com/office/drawing/2014/main" id="{3F8A42D8-909D-4F83-8607-2F8175083E79}"/>
+                  <a16:creationId xmlns:a16="http://schemas.microsoft.com/office/drawing/2014/main" id="{D55E0EC5-73BA-4A9E-BE53-80D5461006F1}"/>
                 </a:ext>
               </a:extLst>
             </p:cNvPr>
@@ -9085,10 +9441,10 @@
       </p:grpSp>
       <p:grpSp>
         <p:nvGrpSpPr>
-          <p:cNvPr id="86" name="Group 85">
+          <p:cNvPr id="143" name="Group 142">
             <a:extLst>
               <a:ext uri="{FF2B5EF4-FFF2-40B4-BE49-F238E27FC236}">
-                <a16:creationId xmlns:a16="http://schemas.microsoft.com/office/drawing/2014/main" id="{0D942B39-6C82-4442-90E6-6DBE95176F1B}"/>
+                <a16:creationId xmlns:a16="http://schemas.microsoft.com/office/drawing/2014/main" id="{359A7745-6565-42FF-9B77-1C9D58971A9C}"/>
               </a:ext>
             </a:extLst>
           </p:cNvPr>
@@ -9105,10 +9461,10 @@
         </p:grpSpPr>
         <p:grpSp>
           <p:nvGrpSpPr>
-            <p:cNvPr id="87" name="Group 33">
+            <p:cNvPr id="144" name="Group 33">
               <a:extLst>
                 <a:ext uri="{FF2B5EF4-FFF2-40B4-BE49-F238E27FC236}">
-                  <a16:creationId xmlns:a16="http://schemas.microsoft.com/office/drawing/2014/main" id="{4EC6A610-4EA0-4234-ACF9-7994297E7AAE}"/>
+                  <a16:creationId xmlns:a16="http://schemas.microsoft.com/office/drawing/2014/main" id="{6F33917B-9259-49B4-B75B-0FD0ED02E157}"/>
                 </a:ext>
               </a:extLst>
             </p:cNvPr>
@@ -9127,10 +9483,10 @@
           </p:grpSpPr>
           <p:sp>
             <p:nvSpPr>
-              <p:cNvPr id="90" name="Line 34">
+              <p:cNvPr id="147" name="Line 34">
                 <a:extLst>
                   <a:ext uri="{FF2B5EF4-FFF2-40B4-BE49-F238E27FC236}">
-                    <a16:creationId xmlns:a16="http://schemas.microsoft.com/office/drawing/2014/main" id="{99A3633C-6788-4107-93D3-FD7B015E98C8}"/>
+                    <a16:creationId xmlns:a16="http://schemas.microsoft.com/office/drawing/2014/main" id="{D21F64DD-F0E7-4F30-9970-72E4F5C267ED}"/>
                   </a:ext>
                 </a:extLst>
               </p:cNvPr>
@@ -9174,10 +9530,10 @@
           </p:sp>
           <p:sp>
             <p:nvSpPr>
-              <p:cNvPr id="91" name="Line 35">
+              <p:cNvPr id="148" name="Line 35">
                 <a:extLst>
                   <a:ext uri="{FF2B5EF4-FFF2-40B4-BE49-F238E27FC236}">
-                    <a16:creationId xmlns:a16="http://schemas.microsoft.com/office/drawing/2014/main" id="{45DF135F-0A9A-46DE-BE2A-5F7F00881315}"/>
+                    <a16:creationId xmlns:a16="http://schemas.microsoft.com/office/drawing/2014/main" id="{047FB0CA-A1C1-4D74-B773-420A93C931F7}"/>
                   </a:ext>
                 </a:extLst>
               </p:cNvPr>
@@ -9221,10 +9577,10 @@
           </p:sp>
           <p:sp>
             <p:nvSpPr>
-              <p:cNvPr id="92" name="Freeform 36">
+              <p:cNvPr id="149" name="Freeform 36">
                 <a:extLst>
                   <a:ext uri="{FF2B5EF4-FFF2-40B4-BE49-F238E27FC236}">
-                    <a16:creationId xmlns:a16="http://schemas.microsoft.com/office/drawing/2014/main" id="{23E9372E-40C5-4CF4-A764-7DC73981AC69}"/>
+                    <a16:creationId xmlns:a16="http://schemas.microsoft.com/office/drawing/2014/main" id="{34E3B3F0-E2CA-4D00-A81E-3C66645E3FCB}"/>
                   </a:ext>
                 </a:extLst>
               </p:cNvPr>
@@ -9395,10 +9751,10 @@
         </p:grpSp>
         <p:sp>
           <p:nvSpPr>
-            <p:cNvPr id="88" name="Freeform 32">
+            <p:cNvPr id="145" name="Freeform 32">
               <a:extLst>
                 <a:ext uri="{FF2B5EF4-FFF2-40B4-BE49-F238E27FC236}">
-                  <a16:creationId xmlns:a16="http://schemas.microsoft.com/office/drawing/2014/main" id="{99A19C2C-79B4-4FF4-9B19-77EE003D3FC8}"/>
+                  <a16:creationId xmlns:a16="http://schemas.microsoft.com/office/drawing/2014/main" id="{5555E16F-23EE-4C7B-B0C0-3602269931CD}"/>
                 </a:ext>
               </a:extLst>
             </p:cNvPr>
@@ -9568,10 +9924,10 @@
         </p:sp>
         <p:sp>
           <p:nvSpPr>
-            <p:cNvPr id="89" name="Freeform 32">
+            <p:cNvPr id="146" name="Freeform 32">
               <a:extLst>
                 <a:ext uri="{FF2B5EF4-FFF2-40B4-BE49-F238E27FC236}">
-                  <a16:creationId xmlns:a16="http://schemas.microsoft.com/office/drawing/2014/main" id="{203D5B94-D189-4F16-956E-400F3417B839}"/>
+                  <a16:creationId xmlns:a16="http://schemas.microsoft.com/office/drawing/2014/main" id="{54788354-CF5A-40A3-92A8-EA7578A633AB}"/>
                 </a:ext>
               </a:extLst>
             </p:cNvPr>
@@ -9742,10 +10098,10 @@
       </p:grpSp>
       <p:grpSp>
         <p:nvGrpSpPr>
-          <p:cNvPr id="93" name="Group 92">
+          <p:cNvPr id="150" name="Group 149">
             <a:extLst>
               <a:ext uri="{FF2B5EF4-FFF2-40B4-BE49-F238E27FC236}">
-                <a16:creationId xmlns:a16="http://schemas.microsoft.com/office/drawing/2014/main" id="{D58ACBC2-F46A-4BC8-BA6E-8D81D95F363A}"/>
+                <a16:creationId xmlns:a16="http://schemas.microsoft.com/office/drawing/2014/main" id="{48D898BB-1C26-4266-84CB-09AC7277AA41}"/>
               </a:ext>
             </a:extLst>
           </p:cNvPr>
@@ -9762,10 +10118,10 @@
         </p:grpSpPr>
         <p:grpSp>
           <p:nvGrpSpPr>
-            <p:cNvPr id="94" name="Group 33">
+            <p:cNvPr id="151" name="Group 33">
               <a:extLst>
                 <a:ext uri="{FF2B5EF4-FFF2-40B4-BE49-F238E27FC236}">
-                  <a16:creationId xmlns:a16="http://schemas.microsoft.com/office/drawing/2014/main" id="{1B07D3CF-8EC0-4624-8F49-DB46A69DB77D}"/>
+                  <a16:creationId xmlns:a16="http://schemas.microsoft.com/office/drawing/2014/main" id="{40629633-1F15-49E9-8D9D-7D9E77AC0653}"/>
                 </a:ext>
               </a:extLst>
             </p:cNvPr>
@@ -9784,10 +10140,10 @@
           </p:grpSpPr>
           <p:sp>
             <p:nvSpPr>
-              <p:cNvPr id="97" name="Line 34">
+              <p:cNvPr id="154" name="Line 34">
                 <a:extLst>
                   <a:ext uri="{FF2B5EF4-FFF2-40B4-BE49-F238E27FC236}">
-                    <a16:creationId xmlns:a16="http://schemas.microsoft.com/office/drawing/2014/main" id="{3583129A-FBC8-44B0-9493-8677D0FC0336}"/>
+                    <a16:creationId xmlns:a16="http://schemas.microsoft.com/office/drawing/2014/main" id="{81122B4F-9887-48F9-9DCB-F70072725D53}"/>
                   </a:ext>
                 </a:extLst>
               </p:cNvPr>
@@ -9831,10 +10187,10 @@
           </p:sp>
           <p:sp>
             <p:nvSpPr>
-              <p:cNvPr id="98" name="Line 35">
+              <p:cNvPr id="155" name="Line 35">
                 <a:extLst>
                   <a:ext uri="{FF2B5EF4-FFF2-40B4-BE49-F238E27FC236}">
-                    <a16:creationId xmlns:a16="http://schemas.microsoft.com/office/drawing/2014/main" id="{760B5C3A-F357-48F5-BA8C-D35AE403011B}"/>
+                    <a16:creationId xmlns:a16="http://schemas.microsoft.com/office/drawing/2014/main" id="{682FD543-3E02-41C3-A836-4D965C77C45F}"/>
                   </a:ext>
                 </a:extLst>
               </p:cNvPr>
@@ -9878,10 +10234,10 @@
           </p:sp>
           <p:sp>
             <p:nvSpPr>
-              <p:cNvPr id="99" name="Freeform 36">
+              <p:cNvPr id="156" name="Freeform 36">
                 <a:extLst>
                   <a:ext uri="{FF2B5EF4-FFF2-40B4-BE49-F238E27FC236}">
-                    <a16:creationId xmlns:a16="http://schemas.microsoft.com/office/drawing/2014/main" id="{AF9AC110-4CF7-493D-8835-540AE0D90238}"/>
+                    <a16:creationId xmlns:a16="http://schemas.microsoft.com/office/drawing/2014/main" id="{FD2640C5-4B68-4B46-994B-8E412574CE03}"/>
                   </a:ext>
                 </a:extLst>
               </p:cNvPr>
@@ -10052,10 +10408,10 @@
         </p:grpSp>
         <p:sp>
           <p:nvSpPr>
-            <p:cNvPr id="95" name="Freeform 32">
+            <p:cNvPr id="152" name="Freeform 32">
               <a:extLst>
                 <a:ext uri="{FF2B5EF4-FFF2-40B4-BE49-F238E27FC236}">
-                  <a16:creationId xmlns:a16="http://schemas.microsoft.com/office/drawing/2014/main" id="{6DDE157F-74E1-4B40-8B8D-0196AD621EC3}"/>
+                  <a16:creationId xmlns:a16="http://schemas.microsoft.com/office/drawing/2014/main" id="{78E2CD21-F648-4CBB-9045-70AFF8962AE7}"/>
                 </a:ext>
               </a:extLst>
             </p:cNvPr>
@@ -10225,10 +10581,10 @@
         </p:sp>
         <p:sp>
           <p:nvSpPr>
-            <p:cNvPr id="96" name="Freeform 32">
+            <p:cNvPr id="153" name="Freeform 32">
               <a:extLst>
                 <a:ext uri="{FF2B5EF4-FFF2-40B4-BE49-F238E27FC236}">
-                  <a16:creationId xmlns:a16="http://schemas.microsoft.com/office/drawing/2014/main" id="{70FAEDA1-F201-431E-B038-60CECB44C3A7}"/>
+                  <a16:creationId xmlns:a16="http://schemas.microsoft.com/office/drawing/2014/main" id="{B420E530-5E41-43AD-AF1A-11BD708057E4}"/>
                 </a:ext>
               </a:extLst>
             </p:cNvPr>
@@ -10399,10 +10755,10 @@
       </p:grpSp>
       <p:grpSp>
         <p:nvGrpSpPr>
-          <p:cNvPr id="100" name="Group 29">
+          <p:cNvPr id="157" name="Group 29">
             <a:extLst>
               <a:ext uri="{FF2B5EF4-FFF2-40B4-BE49-F238E27FC236}">
-                <a16:creationId xmlns:a16="http://schemas.microsoft.com/office/drawing/2014/main" id="{A287DEB9-A213-40BC-95F8-E8005BDC9582}"/>
+                <a16:creationId xmlns:a16="http://schemas.microsoft.com/office/drawing/2014/main" id="{0D2D352D-C58A-4F8B-AD30-4E452AFA39EF}"/>
               </a:ext>
             </a:extLst>
           </p:cNvPr>
@@ -10421,10 +10777,10 @@
         </p:grpSpPr>
         <p:sp>
           <p:nvSpPr>
-            <p:cNvPr id="101" name="Line 30">
+            <p:cNvPr id="158" name="Line 30">
               <a:extLst>
                 <a:ext uri="{FF2B5EF4-FFF2-40B4-BE49-F238E27FC236}">
-                  <a16:creationId xmlns:a16="http://schemas.microsoft.com/office/drawing/2014/main" id="{8887287D-5F16-43B6-9627-45474909409E}"/>
+                  <a16:creationId xmlns:a16="http://schemas.microsoft.com/office/drawing/2014/main" id="{2357444C-C35C-4E50-9354-7DCD5193857E}"/>
                 </a:ext>
               </a:extLst>
             </p:cNvPr>
@@ -10468,10 +10824,10 @@
         </p:sp>
         <p:sp>
           <p:nvSpPr>
-            <p:cNvPr id="102" name="Line 31">
+            <p:cNvPr id="159" name="Line 31">
               <a:extLst>
                 <a:ext uri="{FF2B5EF4-FFF2-40B4-BE49-F238E27FC236}">
-                  <a16:creationId xmlns:a16="http://schemas.microsoft.com/office/drawing/2014/main" id="{EBE1D66C-E43E-4C75-955B-80CBECF3DF3A}"/>
+                  <a16:creationId xmlns:a16="http://schemas.microsoft.com/office/drawing/2014/main" id="{1366D23B-FC2A-4DEC-BE04-2E30293B8D1B}"/>
                 </a:ext>
               </a:extLst>
             </p:cNvPr>
@@ -10515,10 +10871,10 @@
         </p:sp>
         <p:sp>
           <p:nvSpPr>
-            <p:cNvPr id="103" name="Freeform 32">
+            <p:cNvPr id="160" name="Freeform 32">
               <a:extLst>
                 <a:ext uri="{FF2B5EF4-FFF2-40B4-BE49-F238E27FC236}">
-                  <a16:creationId xmlns:a16="http://schemas.microsoft.com/office/drawing/2014/main" id="{D5DFA48E-4981-4467-BF55-C96C842F0920}"/>
+                  <a16:creationId xmlns:a16="http://schemas.microsoft.com/office/drawing/2014/main" id="{6225A719-17E5-4AA3-B491-06FF0F0966D6}"/>
                 </a:ext>
               </a:extLst>
             </p:cNvPr>
@@ -10687,299 +11043,427 @@
           </p:txBody>
         </p:sp>
       </p:grpSp>
-      <p:grpSp>
-        <p:nvGrpSpPr>
-          <p:cNvPr id="104" name="Group 170">
+      <p:sp>
+        <p:nvSpPr>
+          <p:cNvPr id="161" name="TextBox 160">
             <a:extLst>
               <a:ext uri="{FF2B5EF4-FFF2-40B4-BE49-F238E27FC236}">
-                <a16:creationId xmlns:a16="http://schemas.microsoft.com/office/drawing/2014/main" id="{1F55455B-337F-40DF-86B5-8A26DA8F50B3}"/>
+                <a16:creationId xmlns:a16="http://schemas.microsoft.com/office/drawing/2014/main" id="{6CEAF803-FF47-434B-B2D9-F9615BACE044}"/>
               </a:ext>
             </a:extLst>
           </p:cNvPr>
-          <p:cNvGrpSpPr>
-            <a:grpSpLocks/>
-          </p:cNvGrpSpPr>
+          <p:cNvSpPr txBox="1"/>
           <p:nvPr/>
-        </p:nvGrpSpPr>
-        <p:grpSpPr bwMode="auto">
+        </p:nvSpPr>
+        <p:spPr>
           <a:xfrm>
-            <a:off x="3292330" y="6225071"/>
-            <a:ext cx="630238" cy="631825"/>
-            <a:chOff x="2032" y="4520"/>
-            <a:chExt cx="540" cy="542"/>
+            <a:off x="956468" y="4492008"/>
+            <a:ext cx="533400" cy="369332"/>
           </a:xfrm>
-        </p:grpSpPr>
-        <p:sp>
-          <p:nvSpPr>
-            <p:cNvPr id="105" name="Freeform 171">
-              <a:extLst>
-                <a:ext uri="{FF2B5EF4-FFF2-40B4-BE49-F238E27FC236}">
-                  <a16:creationId xmlns:a16="http://schemas.microsoft.com/office/drawing/2014/main" id="{376DBCA1-2F97-4C7F-AC75-168755B309FF}"/>
-                </a:ext>
-              </a:extLst>
-            </p:cNvPr>
-            <p:cNvSpPr>
-              <a:spLocks/>
-            </p:cNvSpPr>
-            <p:nvPr/>
-          </p:nvSpPr>
-          <p:spPr bwMode="auto">
-            <a:xfrm>
-              <a:off x="2490" y="4762"/>
-              <a:ext cx="6" cy="300"/>
-            </a:xfrm>
-            <a:custGeom>
-              <a:avLst/>
-              <a:gdLst>
-                <a:gd name="T0" fmla="*/ 6 w 6"/>
-                <a:gd name="T1" fmla="*/ 0 h 300"/>
-                <a:gd name="T2" fmla="*/ 0 w 6"/>
-                <a:gd name="T3" fmla="*/ 300 h 300"/>
-                <a:gd name="T4" fmla="*/ 6 w 6"/>
-                <a:gd name="T5" fmla="*/ 0 h 300"/>
-                <a:gd name="T6" fmla="*/ 0 60000 65536"/>
-                <a:gd name="T7" fmla="*/ 0 60000 65536"/>
-                <a:gd name="T8" fmla="*/ 0 60000 65536"/>
-                <a:gd name="T9" fmla="*/ 0 w 6"/>
-                <a:gd name="T10" fmla="*/ 0 h 300"/>
-                <a:gd name="T11" fmla="*/ 6 w 6"/>
-                <a:gd name="T12" fmla="*/ 300 h 300"/>
-              </a:gdLst>
-              <a:ahLst/>
-              <a:cxnLst>
-                <a:cxn ang="T6">
-                  <a:pos x="T0" y="T1"/>
-                </a:cxn>
-                <a:cxn ang="T7">
-                  <a:pos x="T2" y="T3"/>
-                </a:cxn>
-                <a:cxn ang="T8">
-                  <a:pos x="T4" y="T5"/>
-                </a:cxn>
-              </a:cxnLst>
-              <a:rect l="T9" t="T10" r="T11" b="T12"/>
-              <a:pathLst>
-                <a:path w="6" h="300">
-                  <a:moveTo>
-                    <a:pt x="6" y="0"/>
-                  </a:moveTo>
-                  <a:lnTo>
-                    <a:pt x="0" y="300"/>
-                  </a:lnTo>
-                  <a:lnTo>
-                    <a:pt x="6" y="0"/>
-                  </a:lnTo>
-                  <a:close/>
-                </a:path>
-              </a:pathLst>
-            </a:custGeom>
-            <a:solidFill>
-              <a:srgbClr val="00A800"/>
-            </a:solidFill>
-            <a:ln w="76200">
-              <a:solidFill>
-                <a:schemeClr val="tx1"/>
-              </a:solidFill>
-              <a:round/>
-              <a:headEnd/>
-              <a:tailEnd/>
-            </a:ln>
-          </p:spPr>
-          <p:txBody>
-            <a:bodyPr/>
-            <a:lstStyle/>
-            <a:p>
-              <a:endParaRPr lang="en-US"/>
-            </a:p>
-          </p:txBody>
-        </p:sp>
-        <p:sp>
-          <p:nvSpPr>
-            <p:cNvPr id="106" name="Freeform 172">
-              <a:extLst>
-                <a:ext uri="{FF2B5EF4-FFF2-40B4-BE49-F238E27FC236}">
-                  <a16:creationId xmlns:a16="http://schemas.microsoft.com/office/drawing/2014/main" id="{B662B63A-DA2B-40CC-BBD6-0785E0175A77}"/>
-                </a:ext>
-              </a:extLst>
-            </p:cNvPr>
-            <p:cNvSpPr>
-              <a:spLocks/>
-            </p:cNvSpPr>
-            <p:nvPr/>
-          </p:nvSpPr>
-          <p:spPr bwMode="auto">
-            <a:xfrm>
-              <a:off x="2084" y="4762"/>
-              <a:ext cx="6" cy="300"/>
-            </a:xfrm>
-            <a:custGeom>
-              <a:avLst/>
-              <a:gdLst>
-                <a:gd name="T0" fmla="*/ 6 w 6"/>
-                <a:gd name="T1" fmla="*/ 0 h 300"/>
-                <a:gd name="T2" fmla="*/ 0 w 6"/>
-                <a:gd name="T3" fmla="*/ 300 h 300"/>
-                <a:gd name="T4" fmla="*/ 6 w 6"/>
-                <a:gd name="T5" fmla="*/ 0 h 300"/>
-                <a:gd name="T6" fmla="*/ 0 60000 65536"/>
-                <a:gd name="T7" fmla="*/ 0 60000 65536"/>
-                <a:gd name="T8" fmla="*/ 0 60000 65536"/>
-                <a:gd name="T9" fmla="*/ 0 w 6"/>
-                <a:gd name="T10" fmla="*/ 0 h 300"/>
-                <a:gd name="T11" fmla="*/ 6 w 6"/>
-                <a:gd name="T12" fmla="*/ 300 h 300"/>
-              </a:gdLst>
-              <a:ahLst/>
-              <a:cxnLst>
-                <a:cxn ang="T6">
-                  <a:pos x="T0" y="T1"/>
-                </a:cxn>
-                <a:cxn ang="T7">
-                  <a:pos x="T2" y="T3"/>
-                </a:cxn>
-                <a:cxn ang="T8">
-                  <a:pos x="T4" y="T5"/>
-                </a:cxn>
-              </a:cxnLst>
-              <a:rect l="T9" t="T10" r="T11" b="T12"/>
-              <a:pathLst>
-                <a:path w="6" h="300">
-                  <a:moveTo>
-                    <a:pt x="6" y="0"/>
-                  </a:moveTo>
-                  <a:lnTo>
-                    <a:pt x="0" y="300"/>
-                  </a:lnTo>
-                  <a:lnTo>
-                    <a:pt x="6" y="0"/>
-                  </a:lnTo>
-                  <a:close/>
-                </a:path>
-              </a:pathLst>
-            </a:custGeom>
-            <a:solidFill>
-              <a:srgbClr val="00A800"/>
-            </a:solidFill>
-            <a:ln w="76200">
-              <a:solidFill>
-                <a:schemeClr val="tx1"/>
-              </a:solidFill>
-              <a:round/>
-              <a:headEnd/>
-              <a:tailEnd/>
-            </a:ln>
-          </p:spPr>
-          <p:txBody>
-            <a:bodyPr/>
-            <a:lstStyle/>
-            <a:p>
-              <a:endParaRPr lang="en-US"/>
-            </a:p>
-          </p:txBody>
-        </p:sp>
-        <p:sp>
-          <p:nvSpPr>
-            <p:cNvPr id="107" name="Freeform 173">
-              <a:extLst>
-                <a:ext uri="{FF2B5EF4-FFF2-40B4-BE49-F238E27FC236}">
-                  <a16:creationId xmlns:a16="http://schemas.microsoft.com/office/drawing/2014/main" id="{52913A87-4605-4121-97BF-51FB2CB94612}"/>
-                </a:ext>
-              </a:extLst>
-            </p:cNvPr>
-            <p:cNvSpPr>
-              <a:spLocks/>
-            </p:cNvSpPr>
-            <p:nvPr/>
-          </p:nvSpPr>
-          <p:spPr bwMode="auto">
-            <a:xfrm>
-              <a:off x="2032" y="4520"/>
-              <a:ext cx="540" cy="252"/>
-            </a:xfrm>
-            <a:custGeom>
-              <a:avLst/>
-              <a:gdLst>
-                <a:gd name="T0" fmla="*/ 0 w 540"/>
-                <a:gd name="T1" fmla="*/ 0 h 252"/>
-                <a:gd name="T2" fmla="*/ 540 w 540"/>
-                <a:gd name="T3" fmla="*/ 0 h 252"/>
-                <a:gd name="T4" fmla="*/ 540 w 540"/>
-                <a:gd name="T5" fmla="*/ 252 h 252"/>
-                <a:gd name="T6" fmla="*/ 0 w 540"/>
-                <a:gd name="T7" fmla="*/ 252 h 252"/>
-                <a:gd name="T8" fmla="*/ 0 w 540"/>
-                <a:gd name="T9" fmla="*/ 0 h 252"/>
-                <a:gd name="T10" fmla="*/ 0 60000 65536"/>
-                <a:gd name="T11" fmla="*/ 0 60000 65536"/>
-                <a:gd name="T12" fmla="*/ 0 60000 65536"/>
-                <a:gd name="T13" fmla="*/ 0 60000 65536"/>
-                <a:gd name="T14" fmla="*/ 0 60000 65536"/>
-                <a:gd name="T15" fmla="*/ 0 w 540"/>
-                <a:gd name="T16" fmla="*/ 0 h 252"/>
-                <a:gd name="T17" fmla="*/ 540 w 540"/>
-                <a:gd name="T18" fmla="*/ 252 h 252"/>
-              </a:gdLst>
-              <a:ahLst/>
-              <a:cxnLst>
-                <a:cxn ang="T10">
-                  <a:pos x="T0" y="T1"/>
-                </a:cxn>
-                <a:cxn ang="T11">
-                  <a:pos x="T2" y="T3"/>
-                </a:cxn>
-                <a:cxn ang="T12">
-                  <a:pos x="T4" y="T5"/>
-                </a:cxn>
-                <a:cxn ang="T13">
-                  <a:pos x="T6" y="T7"/>
-                </a:cxn>
-                <a:cxn ang="T14">
-                  <a:pos x="T8" y="T9"/>
-                </a:cxn>
-              </a:cxnLst>
-              <a:rect l="T15" t="T16" r="T17" b="T18"/>
-              <a:pathLst>
-                <a:path w="540" h="252">
-                  <a:moveTo>
-                    <a:pt x="0" y="0"/>
-                  </a:moveTo>
-                  <a:lnTo>
-                    <a:pt x="540" y="0"/>
-                  </a:lnTo>
-                  <a:lnTo>
-                    <a:pt x="540" y="252"/>
-                  </a:lnTo>
-                  <a:lnTo>
-                    <a:pt x="0" y="252"/>
-                  </a:lnTo>
-                  <a:lnTo>
-                    <a:pt x="0" y="0"/>
-                  </a:lnTo>
-                  <a:close/>
-                </a:path>
-              </a:pathLst>
-            </a:custGeom>
-            <a:solidFill>
-              <a:srgbClr val="00A800"/>
-            </a:solidFill>
-            <a:ln w="22225">
-              <a:solidFill>
-                <a:schemeClr val="tx1"/>
-              </a:solidFill>
-              <a:round/>
-              <a:headEnd/>
-              <a:tailEnd/>
-            </a:ln>
-          </p:spPr>
-          <p:txBody>
-            <a:bodyPr/>
-            <a:lstStyle/>
-            <a:p>
-              <a:endParaRPr lang="en-US"/>
-            </a:p>
-          </p:txBody>
-        </p:sp>
-      </p:grpSp>
+          <a:prstGeom prst="rect">
+            <a:avLst/>
+          </a:prstGeom>
+          <a:noFill/>
+        </p:spPr>
+        <p:txBody>
+          <a:bodyPr wrap="square" rtlCol="0">
+            <a:spAutoFit/>
+          </a:bodyPr>
+          <a:lstStyle/>
+          <a:p>
+            <a:r>
+              <a:rPr lang="en-US" b="1" dirty="0"/>
+              <a:t>T1</a:t>
+            </a:r>
+          </a:p>
+        </p:txBody>
+      </p:sp>
+      <p:sp>
+        <p:nvSpPr>
+          <p:cNvPr id="162" name="TextBox 161">
+            <a:extLst>
+              <a:ext uri="{FF2B5EF4-FFF2-40B4-BE49-F238E27FC236}">
+                <a16:creationId xmlns:a16="http://schemas.microsoft.com/office/drawing/2014/main" id="{26A203D0-A316-4894-82F7-A1E45AF242E5}"/>
+              </a:ext>
+            </a:extLst>
+          </p:cNvPr>
+          <p:cNvSpPr txBox="1"/>
+          <p:nvPr/>
+        </p:nvSpPr>
+        <p:spPr>
+          <a:xfrm>
+            <a:off x="919600" y="4786846"/>
+            <a:ext cx="533400" cy="369332"/>
+          </a:xfrm>
+          <a:prstGeom prst="rect">
+            <a:avLst/>
+          </a:prstGeom>
+          <a:noFill/>
+        </p:spPr>
+        <p:txBody>
+          <a:bodyPr wrap="square" rtlCol="0">
+            <a:spAutoFit/>
+          </a:bodyPr>
+          <a:lstStyle/>
+          <a:p>
+            <a:r>
+              <a:rPr lang="en-US" b="1" dirty="0"/>
+              <a:t>T2</a:t>
+            </a:r>
+          </a:p>
+        </p:txBody>
+      </p:sp>
+      <p:sp>
+        <p:nvSpPr>
+          <p:cNvPr id="163" name="TextBox 162">
+            <a:extLst>
+              <a:ext uri="{FF2B5EF4-FFF2-40B4-BE49-F238E27FC236}">
+                <a16:creationId xmlns:a16="http://schemas.microsoft.com/office/drawing/2014/main" id="{E8B3800C-83A4-4075-BFCF-DEFD160437BE}"/>
+              </a:ext>
+            </a:extLst>
+          </p:cNvPr>
+          <p:cNvSpPr txBox="1"/>
+          <p:nvPr/>
+        </p:nvSpPr>
+        <p:spPr>
+          <a:xfrm>
+            <a:off x="1568969" y="3936019"/>
+            <a:ext cx="533400" cy="369332"/>
+          </a:xfrm>
+          <a:prstGeom prst="rect">
+            <a:avLst/>
+          </a:prstGeom>
+          <a:noFill/>
+        </p:spPr>
+        <p:txBody>
+          <a:bodyPr wrap="square" rtlCol="0">
+            <a:spAutoFit/>
+          </a:bodyPr>
+          <a:lstStyle/>
+          <a:p>
+            <a:r>
+              <a:rPr lang="en-US" b="1" dirty="0"/>
+              <a:t>T3</a:t>
+            </a:r>
+          </a:p>
+        </p:txBody>
+      </p:sp>
+      <p:sp>
+        <p:nvSpPr>
+          <p:cNvPr id="164" name="TextBox 163">
+            <a:extLst>
+              <a:ext uri="{FF2B5EF4-FFF2-40B4-BE49-F238E27FC236}">
+                <a16:creationId xmlns:a16="http://schemas.microsoft.com/office/drawing/2014/main" id="{C95F93BB-AA94-4658-B319-F42758EFC217}"/>
+              </a:ext>
+            </a:extLst>
+          </p:cNvPr>
+          <p:cNvSpPr txBox="1"/>
+          <p:nvPr/>
+        </p:nvSpPr>
+        <p:spPr>
+          <a:xfrm>
+            <a:off x="2846938" y="3538347"/>
+            <a:ext cx="533400" cy="369332"/>
+          </a:xfrm>
+          <a:prstGeom prst="rect">
+            <a:avLst/>
+          </a:prstGeom>
+          <a:noFill/>
+        </p:spPr>
+        <p:txBody>
+          <a:bodyPr wrap="square" rtlCol="0">
+            <a:spAutoFit/>
+          </a:bodyPr>
+          <a:lstStyle/>
+          <a:p>
+            <a:r>
+              <a:rPr lang="en-US" b="1" dirty="0"/>
+              <a:t>T4</a:t>
+            </a:r>
+          </a:p>
+        </p:txBody>
+      </p:sp>
+      <p:sp>
+        <p:nvSpPr>
+          <p:cNvPr id="165" name="TextBox 164">
+            <a:extLst>
+              <a:ext uri="{FF2B5EF4-FFF2-40B4-BE49-F238E27FC236}">
+                <a16:creationId xmlns:a16="http://schemas.microsoft.com/office/drawing/2014/main" id="{5A736AE7-4070-4A91-B641-EB369553080E}"/>
+              </a:ext>
+            </a:extLst>
+          </p:cNvPr>
+          <p:cNvSpPr txBox="1"/>
+          <p:nvPr/>
+        </p:nvSpPr>
+        <p:spPr>
+          <a:xfrm>
+            <a:off x="3386390" y="3666276"/>
+            <a:ext cx="533400" cy="369332"/>
+          </a:xfrm>
+          <a:prstGeom prst="rect">
+            <a:avLst/>
+          </a:prstGeom>
+          <a:noFill/>
+        </p:spPr>
+        <p:txBody>
+          <a:bodyPr wrap="square" rtlCol="0">
+            <a:spAutoFit/>
+          </a:bodyPr>
+          <a:lstStyle/>
+          <a:p>
+            <a:r>
+              <a:rPr lang="en-US" b="1" dirty="0"/>
+              <a:t>T5</a:t>
+            </a:r>
+          </a:p>
+        </p:txBody>
+      </p:sp>
+      <p:sp>
+        <p:nvSpPr>
+          <p:cNvPr id="166" name="TextBox 165">
+            <a:extLst>
+              <a:ext uri="{FF2B5EF4-FFF2-40B4-BE49-F238E27FC236}">
+                <a16:creationId xmlns:a16="http://schemas.microsoft.com/office/drawing/2014/main" id="{7EDA255A-522A-41D1-B8E0-5F1E63FAA484}"/>
+              </a:ext>
+            </a:extLst>
+          </p:cNvPr>
+          <p:cNvSpPr txBox="1"/>
+          <p:nvPr/>
+        </p:nvSpPr>
+        <p:spPr>
+          <a:xfrm>
+            <a:off x="3382050" y="4567445"/>
+            <a:ext cx="533400" cy="369332"/>
+          </a:xfrm>
+          <a:prstGeom prst="rect">
+            <a:avLst/>
+          </a:prstGeom>
+          <a:noFill/>
+        </p:spPr>
+        <p:txBody>
+          <a:bodyPr wrap="square" rtlCol="0">
+            <a:spAutoFit/>
+          </a:bodyPr>
+          <a:lstStyle/>
+          <a:p>
+            <a:r>
+              <a:rPr lang="en-US" b="1" dirty="0"/>
+              <a:t>T6</a:t>
+            </a:r>
+          </a:p>
+        </p:txBody>
+      </p:sp>
+      <p:sp>
+        <p:nvSpPr>
+          <p:cNvPr id="167" name="TextBox 166">
+            <a:extLst>
+              <a:ext uri="{FF2B5EF4-FFF2-40B4-BE49-F238E27FC236}">
+                <a16:creationId xmlns:a16="http://schemas.microsoft.com/office/drawing/2014/main" id="{A26ED52B-BCDF-485D-BFE4-3FE4C005ABF9}"/>
+              </a:ext>
+            </a:extLst>
+          </p:cNvPr>
+          <p:cNvSpPr txBox="1"/>
+          <p:nvPr/>
+        </p:nvSpPr>
+        <p:spPr>
+          <a:xfrm>
+            <a:off x="3875664" y="3606630"/>
+            <a:ext cx="533400" cy="369332"/>
+          </a:xfrm>
+          <a:prstGeom prst="rect">
+            <a:avLst/>
+          </a:prstGeom>
+          <a:noFill/>
+        </p:spPr>
+        <p:txBody>
+          <a:bodyPr wrap="square" rtlCol="0">
+            <a:spAutoFit/>
+          </a:bodyPr>
+          <a:lstStyle/>
+          <a:p>
+            <a:r>
+              <a:rPr lang="en-US" b="1" dirty="0"/>
+              <a:t>T7</a:t>
+            </a:r>
+          </a:p>
+        </p:txBody>
+      </p:sp>
+      <p:sp>
+        <p:nvSpPr>
+          <p:cNvPr id="168" name="TextBox 167">
+            <a:extLst>
+              <a:ext uri="{FF2B5EF4-FFF2-40B4-BE49-F238E27FC236}">
+                <a16:creationId xmlns:a16="http://schemas.microsoft.com/office/drawing/2014/main" id="{81356DCF-7578-4ECB-9EB1-9096F7A62E98}"/>
+              </a:ext>
+            </a:extLst>
+          </p:cNvPr>
+          <p:cNvSpPr txBox="1"/>
+          <p:nvPr/>
+        </p:nvSpPr>
+        <p:spPr>
+          <a:xfrm>
+            <a:off x="5558999" y="3912532"/>
+            <a:ext cx="533400" cy="369332"/>
+          </a:xfrm>
+          <a:prstGeom prst="rect">
+            <a:avLst/>
+          </a:prstGeom>
+          <a:noFill/>
+        </p:spPr>
+        <p:txBody>
+          <a:bodyPr wrap="square" rtlCol="0">
+            <a:spAutoFit/>
+          </a:bodyPr>
+          <a:lstStyle/>
+          <a:p>
+            <a:r>
+              <a:rPr lang="en-US" b="1" dirty="0"/>
+              <a:t>T8</a:t>
+            </a:r>
+          </a:p>
+        </p:txBody>
+      </p:sp>
+      <p:sp>
+        <p:nvSpPr>
+          <p:cNvPr id="169" name="TextBox 168">
+            <a:extLst>
+              <a:ext uri="{FF2B5EF4-FFF2-40B4-BE49-F238E27FC236}">
+                <a16:creationId xmlns:a16="http://schemas.microsoft.com/office/drawing/2014/main" id="{23F85B96-03A4-4843-B8BC-689CA29890C7}"/>
+              </a:ext>
+            </a:extLst>
+          </p:cNvPr>
+          <p:cNvSpPr txBox="1"/>
+          <p:nvPr/>
+        </p:nvSpPr>
+        <p:spPr>
+          <a:xfrm>
+            <a:off x="6148452" y="4351219"/>
+            <a:ext cx="533400" cy="369332"/>
+          </a:xfrm>
+          <a:prstGeom prst="rect">
+            <a:avLst/>
+          </a:prstGeom>
+          <a:noFill/>
+        </p:spPr>
+        <p:txBody>
+          <a:bodyPr wrap="square" rtlCol="0">
+            <a:spAutoFit/>
+          </a:bodyPr>
+          <a:lstStyle/>
+          <a:p>
+            <a:r>
+              <a:rPr lang="en-US" b="1"/>
+              <a:t>T9</a:t>
+            </a:r>
+            <a:endParaRPr lang="en-US" b="1" dirty="0"/>
+          </a:p>
+        </p:txBody>
+      </p:sp>
+      <p:sp>
+        <p:nvSpPr>
+          <p:cNvPr id="170" name="TextBox 169">
+            <a:extLst>
+              <a:ext uri="{FF2B5EF4-FFF2-40B4-BE49-F238E27FC236}">
+                <a16:creationId xmlns:a16="http://schemas.microsoft.com/office/drawing/2014/main" id="{7EDA57F7-609C-401D-9B45-54C071571769}"/>
+              </a:ext>
+            </a:extLst>
+          </p:cNvPr>
+          <p:cNvSpPr txBox="1"/>
+          <p:nvPr/>
+        </p:nvSpPr>
+        <p:spPr>
+          <a:xfrm>
+            <a:off x="2294136" y="3606630"/>
+            <a:ext cx="671512" cy="369332"/>
+          </a:xfrm>
+          <a:prstGeom prst="rect">
+            <a:avLst/>
+          </a:prstGeom>
+          <a:noFill/>
+        </p:spPr>
+        <p:txBody>
+          <a:bodyPr wrap="square" rtlCol="0">
+            <a:spAutoFit/>
+          </a:bodyPr>
+          <a:lstStyle/>
+          <a:p>
+            <a:r>
+              <a:rPr lang="en-US" b="1" dirty="0"/>
+              <a:t>PP1</a:t>
+            </a:r>
+          </a:p>
+        </p:txBody>
+      </p:sp>
+      <p:sp>
+        <p:nvSpPr>
+          <p:cNvPr id="171" name="TextBox 170">
+            <a:extLst>
+              <a:ext uri="{FF2B5EF4-FFF2-40B4-BE49-F238E27FC236}">
+                <a16:creationId xmlns:a16="http://schemas.microsoft.com/office/drawing/2014/main" id="{E6B68C98-6A5E-4811-A9A3-1D6554A00720}"/>
+              </a:ext>
+            </a:extLst>
+          </p:cNvPr>
+          <p:cNvSpPr txBox="1"/>
+          <p:nvPr/>
+        </p:nvSpPr>
+        <p:spPr>
+          <a:xfrm>
+            <a:off x="4370559" y="3659582"/>
+            <a:ext cx="671512" cy="369332"/>
+          </a:xfrm>
+          <a:prstGeom prst="rect">
+            <a:avLst/>
+          </a:prstGeom>
+          <a:noFill/>
+        </p:spPr>
+        <p:txBody>
+          <a:bodyPr wrap="square" rtlCol="0">
+            <a:spAutoFit/>
+          </a:bodyPr>
+          <a:lstStyle/>
+          <a:p>
+            <a:r>
+              <a:rPr lang="en-US" b="1" dirty="0"/>
+              <a:t>PP2</a:t>
+            </a:r>
+          </a:p>
+        </p:txBody>
+      </p:sp>
+      <p:sp>
+        <p:nvSpPr>
+          <p:cNvPr id="172" name="TextBox 171">
+            <a:extLst>
+              <a:ext uri="{FF2B5EF4-FFF2-40B4-BE49-F238E27FC236}">
+                <a16:creationId xmlns:a16="http://schemas.microsoft.com/office/drawing/2014/main" id="{E6ED2433-082D-4CC0-975A-6AE1E62F5E68}"/>
+              </a:ext>
+            </a:extLst>
+          </p:cNvPr>
+          <p:cNvSpPr txBox="1"/>
+          <p:nvPr/>
+        </p:nvSpPr>
+        <p:spPr>
+          <a:xfrm>
+            <a:off x="6117854" y="4796483"/>
+            <a:ext cx="686728" cy="369332"/>
+          </a:xfrm>
+          <a:prstGeom prst="rect">
+            <a:avLst/>
+          </a:prstGeom>
+          <a:noFill/>
+        </p:spPr>
+        <p:txBody>
+          <a:bodyPr wrap="square" rtlCol="0">
+            <a:spAutoFit/>
+          </a:bodyPr>
+          <a:lstStyle/>
+          <a:p>
+            <a:r>
+              <a:rPr lang="en-US" b="1" dirty="0"/>
+              <a:t>T10</a:t>
+            </a:r>
+          </a:p>
+        </p:txBody>
+      </p:sp>
     </p:spTree>
   </p:cSld>
   <p:clrMapOvr>
